--- a/Documentation/08.07.2020-weekly meeting update-Virgile Colrat.pptx
+++ b/Documentation/08.07.2020-weekly meeting update-Virgile Colrat.pptx
@@ -14615,7 +14615,7 @@
               <a:buNone/>
             </a:pPr>
             <a:r>
-              <a:rPr lang="fr-FR" dirty="0">
+              <a:rPr lang="fr-FR" sz="2800" dirty="0">
                 <a:solidFill>
                   <a:srgbClr val="FFFFFF"/>
                 </a:solidFill>
@@ -14623,14 +14623,14 @@
               <a:t>Update – </a:t>
             </a:r>
             <a:r>
-              <a:rPr lang="fr-FR" dirty="0" err="1">
+              <a:rPr lang="fr-FR" sz="2800" dirty="0" err="1">
                 <a:solidFill>
                   <a:srgbClr val="FFFFFF"/>
                 </a:solidFill>
               </a:rPr>
               <a:t>Housing</a:t>
             </a:r>
-            <a:endParaRPr dirty="0">
+            <a:endParaRPr sz="2800" dirty="0">
               <a:solidFill>
                 <a:srgbClr val="FFFFFF"/>
               </a:solidFill>
@@ -14667,197 +14667,60 @@
           <a:lstStyle/>
           <a:p>
             <a:r>
-              <a:rPr lang="fr-FR" sz="1800" dirty="0"/>
-              <a:t>New design of the </a:t>
-            </a:r>
-            <a:r>
-              <a:rPr lang="fr-FR" sz="1800" dirty="0" err="1"/>
-              <a:t>housing</a:t>
-            </a:r>
-            <a:r>
-              <a:rPr lang="fr-FR" sz="1800" dirty="0"/>
-              <a:t> to </a:t>
-            </a:r>
-            <a:r>
-              <a:rPr lang="fr-FR" sz="1800" dirty="0" err="1"/>
-              <a:t>accomodate</a:t>
-            </a:r>
-            <a:r>
-              <a:rPr lang="fr-FR" sz="1800" dirty="0"/>
-              <a:t> the LED for </a:t>
-            </a:r>
-            <a:r>
-              <a:rPr lang="fr-FR" sz="1800" dirty="0" err="1"/>
-              <a:t>sensor</a:t>
-            </a:r>
-            <a:r>
-              <a:rPr lang="fr-FR" sz="1800" dirty="0"/>
-              <a:t> illumination</a:t>
+              <a:rPr lang="en-US" sz="1800" dirty="0"/>
+              <a:t>New design of the housing to accommodate the LED for sensor illumination</a:t>
             </a:r>
           </a:p>
           <a:p>
             <a:r>
-              <a:rPr lang="fr-FR" sz="1800" dirty="0"/>
-              <a:t>The </a:t>
-            </a:r>
-            <a:r>
-              <a:rPr lang="fr-FR" sz="1800" dirty="0" err="1"/>
-              <a:t>housing</a:t>
-            </a:r>
-            <a:r>
-              <a:rPr lang="fr-FR" sz="1800" dirty="0"/>
-              <a:t> </a:t>
-            </a:r>
-            <a:r>
-              <a:rPr lang="fr-FR" sz="1800" dirty="0" err="1"/>
-              <a:t>is</a:t>
-            </a:r>
-            <a:r>
-              <a:rPr lang="fr-FR" sz="1800" dirty="0"/>
-              <a:t> </a:t>
-            </a:r>
-            <a:r>
-              <a:rPr lang="fr-FR" sz="1800" dirty="0" err="1"/>
-              <a:t>now</a:t>
-            </a:r>
-            <a:r>
-              <a:rPr lang="fr-FR" sz="1800" dirty="0"/>
-              <a:t> </a:t>
-            </a:r>
-            <a:r>
-              <a:rPr lang="fr-FR" sz="1800" dirty="0" err="1"/>
-              <a:t>sandwidched</a:t>
-            </a:r>
-            <a:r>
-              <a:rPr lang="fr-FR" sz="1800" dirty="0"/>
-              <a:t> </a:t>
-            </a:r>
-            <a:r>
-              <a:rPr lang="fr-FR" sz="1800" dirty="0" err="1"/>
-              <a:t>between</a:t>
-            </a:r>
-            <a:r>
-              <a:rPr lang="fr-FR" sz="1800" dirty="0"/>
-              <a:t> the LED PCB and the </a:t>
-            </a:r>
-            <a:r>
-              <a:rPr lang="fr-FR" sz="1800" dirty="0" err="1"/>
-              <a:t>sensor</a:t>
-            </a:r>
-            <a:r>
-              <a:rPr lang="fr-FR" sz="1800" dirty="0"/>
-              <a:t> PCB</a:t>
+              <a:rPr lang="en-US" sz="1800" dirty="0"/>
+              <a:t>The housing is now sandwiched between the LED PCB and the sensor PCB</a:t>
             </a:r>
           </a:p>
           <a:p>
-            <a:endParaRPr lang="fr-FR" sz="1800" dirty="0"/>
+            <a:endParaRPr lang="en-US" sz="1800" dirty="0"/>
           </a:p>
           <a:p>
-            <a:endParaRPr lang="fr-FR" sz="1800" dirty="0"/>
+            <a:endParaRPr lang="en-US" sz="1800" dirty="0"/>
           </a:p>
           <a:p>
-            <a:endParaRPr lang="fr-FR" sz="1800" dirty="0"/>
+            <a:endParaRPr lang="en-US" sz="1800" dirty="0"/>
           </a:p>
           <a:p>
-            <a:endParaRPr lang="fr-FR" sz="1800" dirty="0"/>
+            <a:endParaRPr lang="en-US" sz="1800" dirty="0"/>
           </a:p>
           <a:p>
-            <a:endParaRPr lang="fr-FR" sz="1800" dirty="0"/>
+            <a:endParaRPr lang="en-US" sz="1800" dirty="0"/>
           </a:p>
           <a:p>
-            <a:endParaRPr lang="fr-FR" sz="1800" dirty="0"/>
+            <a:endParaRPr lang="en-US" sz="1800" dirty="0"/>
           </a:p>
           <a:p>
-            <a:endParaRPr lang="fr-FR" sz="1800" dirty="0"/>
+            <a:endParaRPr lang="en-US" sz="1800" dirty="0"/>
           </a:p>
           <a:p>
-            <a:endParaRPr lang="fr-FR" sz="1800" dirty="0"/>
+            <a:endParaRPr lang="en-US" sz="1800" dirty="0"/>
           </a:p>
           <a:p>
-            <a:endParaRPr lang="fr-FR" sz="1800" dirty="0"/>
+            <a:endParaRPr lang="en-US" sz="1800" dirty="0"/>
           </a:p>
           <a:p>
-            <a:endParaRPr lang="fr-FR" sz="1800" dirty="0"/>
+            <a:endParaRPr lang="en-US" sz="1800" dirty="0"/>
           </a:p>
           <a:p>
-            <a:endParaRPr lang="fr-FR" sz="1800" dirty="0"/>
+            <a:endParaRPr lang="en-US" sz="1800" dirty="0"/>
           </a:p>
           <a:p>
-            <a:endParaRPr lang="fr-FR" sz="1800" dirty="0"/>
+            <a:endParaRPr lang="en-US" sz="1800" dirty="0"/>
           </a:p>
           <a:p>
-            <a:endParaRPr lang="fr-FR" sz="1800" dirty="0"/>
+            <a:endParaRPr lang="en-US" sz="1800" dirty="0"/>
           </a:p>
           <a:p>
             <a:r>
-              <a:rPr lang="fr-FR" sz="1800" dirty="0"/>
-              <a:t>The </a:t>
+              <a:rPr lang="en-US" sz="1800" dirty="0"/>
+              <a:t>The wall between the LED and gas line has been thickened to eliminate leaks but still be semi-transparent</a:t>
             </a:r>
-            <a:r>
-              <a:rPr lang="fr-FR" sz="1800" dirty="0" err="1"/>
-              <a:t>wall</a:t>
-            </a:r>
-            <a:r>
-              <a:rPr lang="fr-FR" sz="1800" dirty="0"/>
-              <a:t> </a:t>
-            </a:r>
-            <a:r>
-              <a:rPr lang="fr-FR" sz="1800" dirty="0" err="1"/>
-              <a:t>between</a:t>
-            </a:r>
-            <a:r>
-              <a:rPr lang="fr-FR" sz="1800" dirty="0"/>
-              <a:t> the LED and </a:t>
-            </a:r>
-            <a:r>
-              <a:rPr lang="fr-FR" sz="1800" dirty="0" err="1"/>
-              <a:t>gas</a:t>
-            </a:r>
-            <a:r>
-              <a:rPr lang="fr-FR" sz="1800" dirty="0"/>
-              <a:t> line has been </a:t>
-            </a:r>
-            <a:r>
-              <a:rPr lang="fr-FR" sz="1800" dirty="0" err="1"/>
-              <a:t>thickenned</a:t>
-            </a:r>
-            <a:r>
-              <a:rPr lang="fr-FR" sz="1800" dirty="0"/>
-              <a:t> to </a:t>
-            </a:r>
-            <a:r>
-              <a:rPr lang="fr-FR" sz="1800" dirty="0" err="1"/>
-              <a:t>eliminate</a:t>
-            </a:r>
-            <a:r>
-              <a:rPr lang="fr-FR" sz="1800" dirty="0"/>
-              <a:t> </a:t>
-            </a:r>
-            <a:r>
-              <a:rPr lang="fr-FR" sz="1800" dirty="0" err="1"/>
-              <a:t>leaks</a:t>
-            </a:r>
-            <a:r>
-              <a:rPr lang="fr-FR" sz="1800" dirty="0"/>
-              <a:t> but </a:t>
-            </a:r>
-            <a:r>
-              <a:rPr lang="fr-FR" sz="1800" dirty="0" err="1"/>
-              <a:t>still</a:t>
-            </a:r>
-            <a:r>
-              <a:rPr lang="fr-FR" sz="1800" dirty="0"/>
-              <a:t> </a:t>
-            </a:r>
-            <a:r>
-              <a:rPr lang="fr-FR" sz="1800" dirty="0" err="1"/>
-              <a:t>be</a:t>
-            </a:r>
-            <a:r>
-              <a:rPr lang="fr-FR" sz="1800"/>
-              <a:t> semi-transparent</a:t>
-            </a:r>
-            <a:endParaRPr lang="fr-FR" sz="1800" dirty="0"/>
           </a:p>
           <a:p>
             <a:endParaRPr lang="fr-FR" sz="1800" dirty="0"/>
@@ -14997,14 +14860,14 @@
               <a:buNone/>
             </a:pPr>
             <a:r>
-              <a:rPr lang="en-US" dirty="0">
+              <a:rPr lang="en-US" sz="2800" dirty="0">
                 <a:solidFill>
                   <a:srgbClr val="FFFFFF"/>
                 </a:solidFill>
               </a:rPr>
-              <a:t>Update LED board PCB</a:t>
+              <a:t>Update - LED Polarization</a:t>
             </a:r>
-            <a:endParaRPr dirty="0">
+            <a:endParaRPr sz="2800" dirty="0">
               <a:solidFill>
                 <a:srgbClr val="FFFFFF"/>
               </a:solidFill>
@@ -15012,65 +14875,6 @@
           </a:p>
         </p:txBody>
       </p:sp>
-      <p:pic>
-        <p:nvPicPr>
-          <p:cNvPr id="2" name="Image 1">
-            <a:extLst>
-              <a:ext uri="{FF2B5EF4-FFF2-40B4-BE49-F238E27FC236}">
-                <a16:creationId xmlns:a16="http://schemas.microsoft.com/office/drawing/2014/main" id="{463393A7-FCB5-4557-89A9-0E798DAEFD7D}"/>
-              </a:ext>
-            </a:extLst>
-          </p:cNvPr>
-          <p:cNvPicPr>
-            <a:picLocks noChangeAspect="1"/>
-          </p:cNvPicPr>
-          <p:nvPr/>
-        </p:nvPicPr>
-        <p:blipFill rotWithShape="1">
-          <a:blip r:embed="rId3"/>
-          <a:srcRect l="18202" t="12566" r="18652" b="6234"/>
-          <a:stretch/>
-        </p:blipFill>
-        <p:spPr>
-          <a:xfrm>
-            <a:off x="4695289" y="2916517"/>
-            <a:ext cx="3924729" cy="3268278"/>
-          </a:xfrm>
-          <a:prstGeom prst="rect">
-            <a:avLst/>
-          </a:prstGeom>
-        </p:spPr>
-      </p:pic>
-      <p:pic>
-        <p:nvPicPr>
-          <p:cNvPr id="3" name="Image 2">
-            <a:extLst>
-              <a:ext uri="{FF2B5EF4-FFF2-40B4-BE49-F238E27FC236}">
-                <a16:creationId xmlns:a16="http://schemas.microsoft.com/office/drawing/2014/main" id="{6174C4E0-9F49-48E9-B2A6-E4EDE6D7C601}"/>
-              </a:ext>
-            </a:extLst>
-          </p:cNvPr>
-          <p:cNvPicPr>
-            <a:picLocks noChangeAspect="1"/>
-          </p:cNvPicPr>
-          <p:nvPr/>
-        </p:nvPicPr>
-        <p:blipFill>
-          <a:blip r:embed="rId4"/>
-          <a:stretch>
-            <a:fillRect/>
-          </a:stretch>
-        </p:blipFill>
-        <p:spPr>
-          <a:xfrm>
-            <a:off x="258249" y="3429000"/>
-            <a:ext cx="4190463" cy="2389643"/>
-          </a:xfrm>
-          <a:prstGeom prst="rect">
-            <a:avLst/>
-          </a:prstGeom>
-        </p:spPr>
-      </p:pic>
       <p:sp>
         <p:nvSpPr>
           <p:cNvPr id="4" name="ZoneTexte 3">
@@ -15086,7 +14890,7 @@
         <p:spPr>
           <a:xfrm>
             <a:off x="523982" y="1326126"/>
-            <a:ext cx="8096036" cy="646331"/>
+            <a:ext cx="8096036" cy="5078313"/>
           </a:xfrm>
           <a:prstGeom prst="rect">
             <a:avLst/>
@@ -15100,553 +14904,107 @@
           <a:lstStyle/>
           <a:p>
             <a:r>
-              <a:rPr lang="fr-FR" sz="1800" dirty="0"/>
-              <a:t>The LED can </a:t>
+              <a:rPr lang="en-US" sz="1800" dirty="0"/>
+              <a:t>The LED is </a:t>
             </a:r>
             <a:r>
-              <a:rPr lang="fr-FR" sz="1800" dirty="0" err="1"/>
-              <a:t>be</a:t>
-            </a:r>
-            <a:r>
-              <a:rPr lang="fr-FR" sz="1800" dirty="0"/>
-              <a:t> </a:t>
-            </a:r>
-            <a:r>
-              <a:rPr lang="fr-FR" sz="1800" dirty="0" err="1"/>
+              <a:rPr lang="en-US" sz="1800" dirty="0" err="1"/>
               <a:t>drived</a:t>
             </a:r>
             <a:r>
-              <a:rPr lang="fr-FR" sz="1800" dirty="0"/>
-              <a:t> at constant voltage (by </a:t>
+              <a:rPr lang="en-US" sz="1800" dirty="0"/>
+              <a:t> at constant voltage (2.3V)</a:t>
+            </a:r>
+          </a:p>
+          <a:p>
+            <a:endParaRPr lang="en-US" sz="1800" dirty="0"/>
+          </a:p>
+          <a:p>
+            <a:r>
+              <a:rPr lang="en-US" sz="1800" dirty="0"/>
+              <a:t>LED in </a:t>
             </a:r>
             <a:r>
-              <a:rPr lang="fr-FR" sz="1800" dirty="0" err="1"/>
-              <a:t>shorting</a:t>
-            </a:r>
-            <a:r>
-              <a:rPr lang="fr-FR" sz="1800" dirty="0"/>
-              <a:t> pin 2 and 3 of the MOSFET) or </a:t>
-            </a:r>
-            <a:r>
-              <a:rPr lang="fr-FR" sz="1800" dirty="0" err="1"/>
-              <a:t>with</a:t>
-            </a:r>
-            <a:r>
-              <a:rPr lang="fr-FR" sz="1800" dirty="0"/>
-              <a:t> PWM (as </a:t>
-            </a:r>
-            <a:r>
-              <a:rPr lang="fr-FR" sz="1800" dirty="0" err="1"/>
-              <a:t>is</a:t>
-            </a:r>
-            <a:r>
-              <a:rPr lang="fr-FR" sz="1800" dirty="0"/>
-              <a:t> </a:t>
-            </a:r>
-            <a:r>
-              <a:rPr lang="fr-FR" sz="1800" dirty="0" err="1"/>
-              <a:t>done</a:t>
-            </a:r>
-            <a:r>
-              <a:rPr lang="fr-FR" sz="1800" dirty="0"/>
-              <a:t> in </a:t>
-            </a:r>
-            <a:r>
-              <a:rPr lang="fr-FR" sz="1800" dirty="0" err="1"/>
+              <a:rPr lang="en-US" sz="1800" dirty="0" err="1"/>
               <a:t>Vaporsens’s</a:t>
             </a:r>
             <a:r>
-              <a:rPr lang="fr-FR" sz="1800" dirty="0"/>
-              <a:t> Pilot)</a:t>
-            </a:r>
-          </a:p>
-        </p:txBody>
-      </p:sp>
-    </p:spTree>
-  </p:cSld>
-  <p:clrMapOvr>
-    <a:masterClrMapping/>
-  </p:clrMapOvr>
-</p:sld>
-</file>
-
-<file path=ppt/slides/slide4.xml><?xml version="1.0" encoding="utf-8"?>
-<p:sld xmlns:a="http://schemas.openxmlformats.org/drawingml/2006/main" xmlns:r="http://schemas.openxmlformats.org/officeDocument/2006/relationships" xmlns:p="http://schemas.openxmlformats.org/presentationml/2006/main">
-  <p:cSld>
-    <p:spTree>
-      <p:nvGrpSpPr>
-        <p:cNvPr id="1" name="Shape 102"/>
-        <p:cNvGrpSpPr/>
-        <p:nvPr/>
-      </p:nvGrpSpPr>
-      <p:grpSpPr>
-        <a:xfrm>
-          <a:off x="0" y="0"/>
-          <a:ext cx="0" cy="0"/>
-          <a:chOff x="0" y="0"/>
-          <a:chExt cx="0" cy="0"/>
-        </a:xfrm>
-      </p:grpSpPr>
-      <p:sp>
-        <p:nvSpPr>
-          <p:cNvPr id="103" name="Google Shape;103;p22"/>
-          <p:cNvSpPr txBox="1">
-            <a:spLocks noGrp="1"/>
-          </p:cNvSpPr>
-          <p:nvPr>
-            <p:ph type="ctrTitle"/>
-          </p:nvPr>
-        </p:nvSpPr>
-        <p:spPr>
-          <a:xfrm>
-            <a:off x="685800" y="-143874"/>
-            <a:ext cx="7772400" cy="1470000"/>
-          </a:xfrm>
-          <a:prstGeom prst="rect">
-            <a:avLst/>
-          </a:prstGeom>
-          <a:noFill/>
-          <a:ln>
-            <a:noFill/>
-          </a:ln>
-        </p:spPr>
-        <p:txBody>
-          <a:bodyPr spcFirstLastPara="1" wrap="square" lIns="91425" tIns="45700" rIns="91425" bIns="45700" anchor="ctr" anchorCtr="0">
-            <a:noAutofit/>
-          </a:bodyPr>
-          <a:lstStyle/>
-          <a:p>
-            <a:pPr marL="0" lvl="0" indent="0" algn="ctr" rtl="0">
-              <a:lnSpc>
-                <a:spcPct val="100000"/>
-              </a:lnSpc>
-              <a:spcBef>
-                <a:spcPts val="0"/>
-              </a:spcBef>
-              <a:spcAft>
-                <a:spcPts val="0"/>
-              </a:spcAft>
-              <a:buSzPts val="1400"/>
-              <a:buNone/>
-            </a:pPr>
-            <a:r>
-              <a:rPr lang="fr-FR" dirty="0">
-                <a:solidFill>
-                  <a:srgbClr val="FFFFFF"/>
-                </a:solidFill>
-              </a:rPr>
-              <a:t>Update – </a:t>
-            </a:r>
-            <a:r>
-              <a:rPr lang="fr-FR" dirty="0" err="1">
-                <a:solidFill>
-                  <a:srgbClr val="FFFFFF"/>
-                </a:solidFill>
-              </a:rPr>
-              <a:t>Sensor</a:t>
-            </a:r>
-            <a:r>
-              <a:rPr lang="fr-FR" dirty="0">
-                <a:solidFill>
-                  <a:srgbClr val="FFFFFF"/>
-                </a:solidFill>
-              </a:rPr>
-              <a:t> </a:t>
-            </a:r>
-            <a:r>
-              <a:rPr lang="fr-FR" dirty="0" err="1">
-                <a:solidFill>
-                  <a:srgbClr val="FFFFFF"/>
-                </a:solidFill>
-              </a:rPr>
-              <a:t>results</a:t>
-            </a:r>
-            <a:endParaRPr dirty="0">
-              <a:solidFill>
-                <a:srgbClr val="FFFFFF"/>
-              </a:solidFill>
-            </a:endParaRPr>
-          </a:p>
-        </p:txBody>
-      </p:sp>
-      <p:sp>
-        <p:nvSpPr>
-          <p:cNvPr id="2" name="ZoneTexte 1">
-            <a:extLst>
-              <a:ext uri="{FF2B5EF4-FFF2-40B4-BE49-F238E27FC236}">
-                <a16:creationId xmlns:a16="http://schemas.microsoft.com/office/drawing/2014/main" id="{FDDE8A02-7C33-463C-8282-90388FFA8DCD}"/>
-              </a:ext>
-            </a:extLst>
-          </p:cNvPr>
-          <p:cNvSpPr txBox="1"/>
-          <p:nvPr/>
-        </p:nvSpPr>
-        <p:spPr>
-          <a:xfrm>
-            <a:off x="685800" y="1407560"/>
-            <a:ext cx="7944492" cy="5078313"/>
-          </a:xfrm>
-          <a:prstGeom prst="rect">
-            <a:avLst/>
-          </a:prstGeom>
-          <a:noFill/>
-        </p:spPr>
-        <p:txBody>
-          <a:bodyPr wrap="square" rtlCol="0">
-            <a:spAutoFit/>
-          </a:bodyPr>
-          <a:lstStyle/>
-          <a:p>
-            <a:r>
-              <a:rPr lang="fr-FR" sz="1800" dirty="0"/>
-              <a:t>Test of the </a:t>
-            </a:r>
-            <a:r>
-              <a:rPr lang="fr-FR" sz="1800" dirty="0" err="1"/>
-              <a:t>sensors</a:t>
-            </a:r>
-            <a:r>
-              <a:rPr lang="fr-FR" sz="1800" dirty="0"/>
-              <a:t> in ambient air </a:t>
-            </a:r>
-            <a:r>
-              <a:rPr lang="fr-FR" sz="1800" dirty="0" err="1"/>
-              <a:t>with</a:t>
-            </a:r>
-            <a:r>
-              <a:rPr lang="fr-FR" sz="1800" dirty="0"/>
-              <a:t> </a:t>
-            </a:r>
-            <a:r>
-              <a:rPr lang="fr-FR" sz="1800" dirty="0" err="1"/>
-              <a:t>results</a:t>
-            </a:r>
-            <a:r>
-              <a:rPr lang="fr-FR" sz="1800" dirty="0"/>
-              <a:t> </a:t>
-            </a:r>
-            <a:r>
-              <a:rPr lang="fr-FR" sz="1800" dirty="0" err="1"/>
-              <a:t>very</a:t>
-            </a:r>
-            <a:r>
-              <a:rPr lang="fr-FR" sz="1800" dirty="0"/>
-              <a:t> close to the </a:t>
-            </a:r>
-            <a:r>
-              <a:rPr lang="fr-FR" sz="1800" dirty="0" err="1"/>
-              <a:t>results</a:t>
-            </a:r>
-            <a:r>
-              <a:rPr lang="fr-FR" sz="1800" dirty="0"/>
-              <a:t> of </a:t>
-            </a:r>
-            <a:r>
-              <a:rPr lang="fr-FR" sz="1800" dirty="0" err="1"/>
-              <a:t>Vaporsens</a:t>
-            </a:r>
-            <a:r>
-              <a:rPr lang="fr-FR" sz="1800" dirty="0"/>
-              <a:t>:</a:t>
+              <a:rPr lang="en-US" sz="1800" dirty="0"/>
+              <a:t> pilot uses PWM polarization but requires to trigger the measure at the ’’right’’ time. In the future, I could add a microcontroller generating the PWM</a:t>
             </a:r>
           </a:p>
           <a:p>
+            <a:endParaRPr lang="en-US" sz="1800" dirty="0"/>
+          </a:p>
+          <a:p>
             <a:r>
-              <a:rPr lang="fr-FR" sz="1800" dirty="0"/>
-              <a:t> </a:t>
+              <a:rPr lang="en-US" sz="1800" dirty="0"/>
+              <a:t>The table below show the response of the sensors for the sensors polarized @7V and placed in the housing described in the previous slide. The LED is polarized @2.3VDC. The testing is conducted @21.2°C, 25.3%RH</a:t>
             </a:r>
           </a:p>
           <a:p>
-            <a:endParaRPr lang="fr-FR" sz="1800" dirty="0"/>
+            <a:pPr marL="285750" indent="-285750">
+              <a:buFont typeface="Arial" panose="020B0604020202020204" pitchFamily="34" charset="0"/>
+              <a:buChar char="•"/>
+            </a:pPr>
+            <a:endParaRPr lang="en-US" sz="1800" dirty="0"/>
           </a:p>
           <a:p>
-            <a:endParaRPr lang="fr-FR" sz="1800" dirty="0"/>
+            <a:pPr marL="285750" indent="-285750">
+              <a:buFont typeface="Arial" panose="020B0604020202020204" pitchFamily="34" charset="0"/>
+              <a:buChar char="•"/>
+            </a:pPr>
+            <a:endParaRPr lang="en-US" sz="1800" dirty="0"/>
           </a:p>
           <a:p>
-            <a:endParaRPr lang="fr-FR" sz="1800" dirty="0"/>
+            <a:pPr marL="285750" indent="-285750">
+              <a:buFont typeface="Arial" panose="020B0604020202020204" pitchFamily="34" charset="0"/>
+              <a:buChar char="•"/>
+            </a:pPr>
+            <a:endParaRPr lang="en-US" sz="1800" dirty="0"/>
           </a:p>
           <a:p>
-            <a:endParaRPr lang="fr-FR" sz="1800" dirty="0"/>
+            <a:pPr marL="285750" indent="-285750">
+              <a:buFont typeface="Arial" panose="020B0604020202020204" pitchFamily="34" charset="0"/>
+              <a:buChar char="•"/>
+            </a:pPr>
+            <a:endParaRPr lang="en-US" sz="1800" dirty="0"/>
           </a:p>
           <a:p>
-            <a:endParaRPr lang="fr-FR" sz="1800" dirty="0"/>
+            <a:pPr marL="285750" indent="-285750">
+              <a:buFont typeface="Arial" panose="020B0604020202020204" pitchFamily="34" charset="0"/>
+              <a:buChar char="•"/>
+            </a:pPr>
+            <a:endParaRPr lang="en-US" sz="1800" dirty="0"/>
           </a:p>
           <a:p>
-            <a:endParaRPr lang="fr-FR" sz="1800" dirty="0"/>
+            <a:pPr marL="285750" indent="-285750">
+              <a:buFont typeface="Arial" panose="020B0604020202020204" pitchFamily="34" charset="0"/>
+              <a:buChar char="•"/>
+            </a:pPr>
+            <a:endParaRPr lang="en-US" sz="1800" dirty="0"/>
           </a:p>
           <a:p>
-            <a:endParaRPr lang="fr-FR" sz="1800" dirty="0"/>
+            <a:pPr marL="285750" indent="-285750">
+              <a:buFont typeface="Arial" panose="020B0604020202020204" pitchFamily="34" charset="0"/>
+              <a:buChar char="•"/>
+            </a:pPr>
+            <a:endParaRPr lang="en-US" sz="1800" dirty="0"/>
           </a:p>
           <a:p>
-            <a:r>
-              <a:rPr lang="fr-FR" sz="1800" dirty="0"/>
-              <a:t>The </a:t>
-            </a:r>
-            <a:r>
-              <a:rPr lang="fr-FR" sz="1800" dirty="0" err="1"/>
-              <a:t>results</a:t>
-            </a:r>
-            <a:r>
-              <a:rPr lang="fr-FR" sz="1800" dirty="0"/>
-              <a:t> are </a:t>
-            </a:r>
-            <a:r>
-              <a:rPr lang="fr-FR" sz="1800" dirty="0" err="1"/>
-              <a:t>much</a:t>
-            </a:r>
-            <a:r>
-              <a:rPr lang="fr-FR" sz="1800" dirty="0"/>
-              <a:t> </a:t>
-            </a:r>
-            <a:r>
-              <a:rPr lang="fr-FR" sz="1800" dirty="0" err="1"/>
-              <a:t>better</a:t>
-            </a:r>
-            <a:r>
-              <a:rPr lang="fr-FR" sz="1800" dirty="0"/>
-              <a:t> </a:t>
-            </a:r>
-            <a:r>
-              <a:rPr lang="fr-FR" sz="1800" dirty="0" err="1"/>
-              <a:t>than</a:t>
-            </a:r>
-            <a:r>
-              <a:rPr lang="fr-FR" sz="1800" dirty="0"/>
-              <a:t> last </a:t>
-            </a:r>
-            <a:r>
-              <a:rPr lang="fr-FR" sz="1800" dirty="0" err="1"/>
-              <a:t>week</a:t>
-            </a:r>
-            <a:r>
-              <a:rPr lang="fr-FR" sz="1800" dirty="0"/>
-              <a:t> </a:t>
-            </a:r>
-            <a:r>
-              <a:rPr lang="fr-FR" sz="1800" dirty="0" err="1"/>
-              <a:t>because</a:t>
-            </a:r>
-            <a:r>
-              <a:rPr lang="fr-FR" sz="1800" dirty="0"/>
-              <a:t> of I have </a:t>
-            </a:r>
-            <a:r>
-              <a:rPr lang="fr-FR" sz="1800" dirty="0" err="1"/>
-              <a:t>used</a:t>
-            </a:r>
-            <a:r>
-              <a:rPr lang="fr-FR" sz="1800" dirty="0"/>
-              <a:t> the </a:t>
-            </a:r>
-            <a:r>
-              <a:rPr lang="fr-FR" sz="1800" dirty="0" err="1"/>
-              <a:t>same</a:t>
-            </a:r>
-            <a:r>
-              <a:rPr lang="fr-FR" sz="1800" dirty="0"/>
-              <a:t> LED as </a:t>
-            </a:r>
-            <a:r>
-              <a:rPr lang="fr-FR" sz="1800" dirty="0" err="1"/>
-              <a:t>Vaporsens</a:t>
-            </a:r>
-            <a:r>
-              <a:rPr lang="fr-FR" sz="1800" dirty="0"/>
-              <a:t> for illumination of the </a:t>
-            </a:r>
-            <a:r>
-              <a:rPr lang="fr-FR" sz="1800" dirty="0" err="1"/>
-              <a:t>fibers</a:t>
-            </a:r>
-            <a:r>
-              <a:rPr lang="fr-FR" sz="1800" dirty="0"/>
-              <a:t>.</a:t>
-            </a:r>
+            <a:endParaRPr lang="en-US" sz="1800" dirty="0"/>
           </a:p>
           <a:p>
-            <a:endParaRPr lang="fr-FR" sz="1800" dirty="0"/>
-          </a:p>
-          <a:p>
-            <a:r>
-              <a:rPr lang="fr-FR" sz="1800" dirty="0" err="1"/>
-              <a:t>Some</a:t>
-            </a:r>
-            <a:r>
-              <a:rPr lang="fr-FR" sz="1800" dirty="0"/>
-              <a:t> </a:t>
-            </a:r>
-            <a:r>
-              <a:rPr lang="fr-FR" sz="1800" dirty="0" err="1"/>
-              <a:t>results</a:t>
-            </a:r>
-            <a:r>
-              <a:rPr lang="fr-FR" sz="1800" dirty="0"/>
-              <a:t> (not </a:t>
-            </a:r>
-            <a:r>
-              <a:rPr lang="fr-FR" sz="1800" dirty="0" err="1"/>
-              <a:t>shown</a:t>
-            </a:r>
-            <a:r>
-              <a:rPr lang="fr-FR" sz="1800" dirty="0"/>
-              <a:t> </a:t>
-            </a:r>
-            <a:r>
-              <a:rPr lang="fr-FR" sz="1800" dirty="0" err="1"/>
-              <a:t>here</a:t>
-            </a:r>
-            <a:r>
-              <a:rPr lang="fr-FR" sz="1800" dirty="0"/>
-              <a:t>) shows </a:t>
-            </a:r>
-            <a:r>
-              <a:rPr lang="fr-FR" sz="1800" dirty="0" err="1"/>
-              <a:t>that</a:t>
-            </a:r>
-            <a:r>
-              <a:rPr lang="fr-FR" sz="1800" dirty="0"/>
-              <a:t> the </a:t>
-            </a:r>
-            <a:r>
-              <a:rPr lang="fr-FR" sz="1800" dirty="0" err="1"/>
-              <a:t>results</a:t>
-            </a:r>
-            <a:r>
-              <a:rPr lang="fr-FR" sz="1800" dirty="0"/>
-              <a:t> are </a:t>
-            </a:r>
-            <a:r>
-              <a:rPr lang="fr-FR" sz="1800" dirty="0" err="1"/>
-              <a:t>very</a:t>
-            </a:r>
-            <a:r>
-              <a:rPr lang="fr-FR" sz="1800" dirty="0"/>
-              <a:t> </a:t>
-            </a:r>
-            <a:r>
-              <a:rPr lang="fr-FR" sz="1800" dirty="0" err="1"/>
-              <a:t>dependent</a:t>
-            </a:r>
-            <a:r>
-              <a:rPr lang="fr-FR" sz="1800" dirty="0"/>
-              <a:t> on how close to the </a:t>
-            </a:r>
-            <a:r>
-              <a:rPr lang="fr-FR" sz="1800" dirty="0" err="1"/>
-              <a:t>sensor</a:t>
-            </a:r>
-            <a:r>
-              <a:rPr lang="fr-FR" sz="1800" dirty="0"/>
-              <a:t> the LED </a:t>
-            </a:r>
-            <a:r>
-              <a:rPr lang="fr-FR" sz="1800" dirty="0" err="1"/>
-              <a:t>is</a:t>
-            </a:r>
-            <a:r>
-              <a:rPr lang="fr-FR" sz="1800" dirty="0"/>
-              <a:t> </a:t>
-            </a:r>
-            <a:r>
-              <a:rPr lang="fr-FR" sz="1800" dirty="0" err="1"/>
-              <a:t>placed</a:t>
-            </a:r>
-            <a:r>
-              <a:rPr lang="fr-FR" sz="1800" dirty="0"/>
-              <a:t>. There </a:t>
-            </a:r>
-            <a:r>
-              <a:rPr lang="fr-FR" sz="1800" dirty="0" err="1"/>
-              <a:t>is</a:t>
-            </a:r>
-            <a:r>
-              <a:rPr lang="fr-FR" sz="1800" dirty="0"/>
-              <a:t> </a:t>
-            </a:r>
-            <a:r>
-              <a:rPr lang="fr-FR" sz="1800" dirty="0" err="1"/>
-              <a:t>still</a:t>
-            </a:r>
-            <a:r>
-              <a:rPr lang="fr-FR" sz="1800" dirty="0"/>
-              <a:t> room for </a:t>
-            </a:r>
-            <a:r>
-              <a:rPr lang="fr-FR" sz="1800" dirty="0" err="1"/>
-              <a:t>improvement</a:t>
-            </a:r>
-            <a:r>
-              <a:rPr lang="fr-FR" sz="1800" dirty="0"/>
-              <a:t>, I have to look at the </a:t>
-            </a:r>
-            <a:r>
-              <a:rPr lang="fr-FR" sz="1800" dirty="0" err="1"/>
-              <a:t>Vaposens</a:t>
-            </a:r>
-            <a:r>
-              <a:rPr lang="fr-FR" sz="1800" dirty="0"/>
-              <a:t> pilot to </a:t>
-            </a:r>
-            <a:r>
-              <a:rPr lang="fr-FR" sz="1800" dirty="0" err="1"/>
-              <a:t>see</a:t>
-            </a:r>
-            <a:r>
-              <a:rPr lang="fr-FR" sz="1800" dirty="0"/>
-              <a:t> how close the LED </a:t>
-            </a:r>
-            <a:r>
-              <a:rPr lang="fr-FR" sz="1800" dirty="0" err="1"/>
-              <a:t>is</a:t>
-            </a:r>
-            <a:r>
-              <a:rPr lang="fr-FR" sz="1800" dirty="0"/>
-              <a:t> to the </a:t>
-            </a:r>
-            <a:r>
-              <a:rPr lang="fr-FR" sz="1800" dirty="0" err="1"/>
-              <a:t>sensor</a:t>
-            </a:r>
-            <a:r>
-              <a:rPr lang="fr-FR" sz="1800" dirty="0"/>
-              <a:t>, </a:t>
-            </a:r>
-            <a:r>
-              <a:rPr lang="fr-FR" sz="1800" dirty="0" err="1"/>
-              <a:t>is</a:t>
-            </a:r>
-            <a:r>
-              <a:rPr lang="fr-FR" sz="1800" dirty="0"/>
-              <a:t> </a:t>
-            </a:r>
-            <a:r>
-              <a:rPr lang="fr-FR" sz="1800" dirty="0" err="1"/>
-              <a:t>it</a:t>
-            </a:r>
-            <a:r>
-              <a:rPr lang="fr-FR" sz="1800" dirty="0"/>
-              <a:t> direct </a:t>
-            </a:r>
-            <a:r>
-              <a:rPr lang="fr-FR" sz="1800" dirty="0" err="1"/>
-              <a:t>illumination,etc</a:t>
-            </a:r>
-            <a:r>
-              <a:rPr lang="fr-FR" sz="1800" dirty="0"/>
-              <a:t>.</a:t>
-            </a:r>
-          </a:p>
-          <a:p>
-            <a:endParaRPr lang="fr-FR" sz="1800" dirty="0"/>
+            <a:endParaRPr lang="en-US" sz="1800" dirty="0"/>
           </a:p>
         </p:txBody>
       </p:sp>
       <p:graphicFrame>
         <p:nvGraphicFramePr>
-          <p:cNvPr id="4" name="Tableau 4">
+          <p:cNvPr id="5" name="Tableau 5">
             <a:extLst>
               <a:ext uri="{FF2B5EF4-FFF2-40B4-BE49-F238E27FC236}">
-                <a16:creationId xmlns:a16="http://schemas.microsoft.com/office/drawing/2014/main" id="{E24F4EE6-5C2B-481C-8CB6-C7F4B93D6D29}"/>
+                <a16:creationId xmlns:a16="http://schemas.microsoft.com/office/drawing/2014/main" id="{BA3D1F0B-B7E7-4A32-A153-BA14A76BEC90}"/>
               </a:ext>
             </a:extLst>
           </p:cNvPr>
@@ -15656,14 +15014,14 @@
           <p:nvPr>
             <p:extLst>
               <p:ext uri="{D42A27DB-BD31-4B8C-83A1-F6EECF244321}">
-                <p14:modId xmlns:p14="http://schemas.microsoft.com/office/powerpoint/2010/main" val="143458215"/>
+                <p14:modId xmlns:p14="http://schemas.microsoft.com/office/powerpoint/2010/main" val="3567210616"/>
               </p:ext>
             </p:extLst>
           </p:nvPr>
         </p:nvGraphicFramePr>
         <p:xfrm>
-          <a:off x="1610046" y="2341450"/>
-          <a:ext cx="6096000" cy="1630680"/>
+          <a:off x="1524000" y="4094086"/>
+          <a:ext cx="6096000" cy="1259840"/>
         </p:xfrm>
         <a:graphic>
           <a:graphicData uri="http://schemas.openxmlformats.org/drawingml/2006/table">
@@ -15675,21 +15033,21 @@
                 <a:gridCol w="2032000">
                   <a:extLst>
                     <a:ext uri="{9D8B030D-6E8A-4147-A177-3AD203B41FA5}">
-                      <a16:colId xmlns:a16="http://schemas.microsoft.com/office/drawing/2014/main" val="1415556896"/>
+                      <a16:colId xmlns:a16="http://schemas.microsoft.com/office/drawing/2014/main" val="4048418027"/>
                     </a:ext>
                   </a:extLst>
                 </a:gridCol>
                 <a:gridCol w="2032000">
                   <a:extLst>
                     <a:ext uri="{9D8B030D-6E8A-4147-A177-3AD203B41FA5}">
-                      <a16:colId xmlns:a16="http://schemas.microsoft.com/office/drawing/2014/main" val="23814335"/>
+                      <a16:colId xmlns:a16="http://schemas.microsoft.com/office/drawing/2014/main" val="896079587"/>
                     </a:ext>
                   </a:extLst>
                 </a:gridCol>
                 <a:gridCol w="2032000">
                   <a:extLst>
                     <a:ext uri="{9D8B030D-6E8A-4147-A177-3AD203B41FA5}">
-                      <a16:colId xmlns:a16="http://schemas.microsoft.com/office/drawing/2014/main" val="3557996441"/>
+                      <a16:colId xmlns:a16="http://schemas.microsoft.com/office/drawing/2014/main" val="688329122"/>
                     </a:ext>
                   </a:extLst>
                 </a:gridCol>
@@ -15700,6 +15058,25 @@
                     <a:bodyPr/>
                     <a:lstStyle/>
                     <a:p>
+                      <a:pPr marL="0" marR="0" lvl="0" indent="0" algn="l" defTabSz="914400" rtl="0" eaLnBrk="1" fontAlgn="auto" latinLnBrk="0" hangingPunct="1">
+                        <a:lnSpc>
+                          <a:spcPct val="100000"/>
+                        </a:lnSpc>
+                        <a:spcBef>
+                          <a:spcPts val="0"/>
+                        </a:spcBef>
+                        <a:spcAft>
+                          <a:spcPts val="0"/>
+                        </a:spcAft>
+                        <a:buClr>
+                          <a:srgbClr val="000000"/>
+                        </a:buClr>
+                        <a:buSzTx/>
+                        <a:buFont typeface="Arial"/>
+                        <a:buNone/>
+                        <a:tabLst/>
+                        <a:defRPr/>
+                      </a:pPr>
                       <a:r>
                         <a:rPr lang="fr-FR" dirty="0" err="1">
                           <a:solidFill>
@@ -15741,6 +15118,25 @@
                     <a:bodyPr/>
                     <a:lstStyle/>
                     <a:p>
+                      <a:pPr marL="0" marR="0" lvl="0" indent="0" algn="l" defTabSz="914400" rtl="0" eaLnBrk="1" fontAlgn="auto" latinLnBrk="0" hangingPunct="1">
+                        <a:lnSpc>
+                          <a:spcPct val="100000"/>
+                        </a:lnSpc>
+                        <a:spcBef>
+                          <a:spcPts val="0"/>
+                        </a:spcBef>
+                        <a:spcAft>
+                          <a:spcPts val="0"/>
+                        </a:spcAft>
+                        <a:buClr>
+                          <a:srgbClr val="000000"/>
+                        </a:buClr>
+                        <a:buSzTx/>
+                        <a:buFont typeface="Arial"/>
+                        <a:buNone/>
+                        <a:tabLst/>
+                        <a:defRPr/>
+                      </a:pPr>
                       <a:r>
                         <a:rPr lang="fr-FR" dirty="0" err="1">
                           <a:solidFill>
@@ -15798,6 +15194,25 @@
                     <a:bodyPr/>
                     <a:lstStyle/>
                     <a:p>
+                      <a:pPr marL="0" marR="0" lvl="0" indent="0" algn="l" defTabSz="914400" rtl="0" eaLnBrk="1" fontAlgn="auto" latinLnBrk="0" hangingPunct="1">
+                        <a:lnSpc>
+                          <a:spcPct val="100000"/>
+                        </a:lnSpc>
+                        <a:spcBef>
+                          <a:spcPts val="0"/>
+                        </a:spcBef>
+                        <a:spcAft>
+                          <a:spcPts val="0"/>
+                        </a:spcAft>
+                        <a:buClr>
+                          <a:srgbClr val="000000"/>
+                        </a:buClr>
+                        <a:buSzTx/>
+                        <a:buFont typeface="Arial"/>
+                        <a:buNone/>
+                        <a:tabLst/>
+                        <a:defRPr/>
+                      </a:pPr>
                       <a:r>
                         <a:rPr lang="fr-FR" dirty="0" err="1">
                           <a:solidFill>
@@ -15836,7 +15251,7 @@
                 </a:tc>
                 <a:extLst>
                   <a:ext uri="{0D108BD9-81ED-4DB2-BD59-A6C34878D82A}">
-                    <a16:rowId xmlns:a16="http://schemas.microsoft.com/office/drawing/2014/main" val="1048256527"/>
+                    <a16:rowId xmlns:a16="http://schemas.microsoft.com/office/drawing/2014/main" val="1531270652"/>
                   </a:ext>
                 </a:extLst>
               </a:tr>
@@ -15846,6 +15261,109 @@
                     <a:bodyPr/>
                     <a:lstStyle/>
                     <a:p>
+                      <a:pPr marL="0" marR="0" lvl="0" indent="0" algn="l" defTabSz="914400" rtl="0" eaLnBrk="1" fontAlgn="auto" latinLnBrk="0" hangingPunct="1">
+                        <a:lnSpc>
+                          <a:spcPct val="100000"/>
+                        </a:lnSpc>
+                        <a:spcBef>
+                          <a:spcPts val="0"/>
+                        </a:spcBef>
+                        <a:spcAft>
+                          <a:spcPts val="0"/>
+                        </a:spcAft>
+                        <a:buClr>
+                          <a:srgbClr val="000000"/>
+                        </a:buClr>
+                        <a:buSzTx/>
+                        <a:buFont typeface="Arial"/>
+                        <a:buNone/>
+                        <a:tabLst/>
+                        <a:defRPr/>
+                      </a:pPr>
+                      <a:r>
+                        <a:rPr lang="fr-FR" dirty="0"/>
+                        <a:t>054</a:t>
+                      </a:r>
+                    </a:p>
+                  </a:txBody>
+                  <a:tcPr/>
+                </a:tc>
+                <a:tc>
+                  <a:txBody>
+                    <a:bodyPr/>
+                    <a:lstStyle/>
+                    <a:p>
+                      <a:pPr marL="0" marR="0" lvl="0" indent="0" algn="l" defTabSz="914400" rtl="0" eaLnBrk="1" fontAlgn="auto" latinLnBrk="0" hangingPunct="1">
+                        <a:lnSpc>
+                          <a:spcPct val="100000"/>
+                        </a:lnSpc>
+                        <a:spcBef>
+                          <a:spcPts val="0"/>
+                        </a:spcBef>
+                        <a:spcAft>
+                          <a:spcPts val="0"/>
+                        </a:spcAft>
+                        <a:buClr>
+                          <a:srgbClr val="000000"/>
+                        </a:buClr>
+                        <a:buSzTx/>
+                        <a:buFont typeface="Arial"/>
+                        <a:buNone/>
+                        <a:tabLst/>
+                        <a:defRPr/>
+                      </a:pPr>
+                      <a:r>
+                        <a:rPr lang="fr-FR" dirty="0"/>
+                        <a:t>1.98nA</a:t>
+                      </a:r>
+                    </a:p>
+                  </a:txBody>
+                  <a:tcPr/>
+                </a:tc>
+                <a:tc>
+                  <a:txBody>
+                    <a:bodyPr/>
+                    <a:lstStyle/>
+                    <a:p>
+                      <a:r>
+                        <a:rPr lang="en-US" dirty="0"/>
+                        <a:t>3.575nA</a:t>
+                      </a:r>
+                    </a:p>
+                  </a:txBody>
+                  <a:tcPr/>
+                </a:tc>
+                <a:extLst>
+                  <a:ext uri="{0D108BD9-81ED-4DB2-BD59-A6C34878D82A}">
+                    <a16:rowId xmlns:a16="http://schemas.microsoft.com/office/drawing/2014/main" val="1547126352"/>
+                  </a:ext>
+                </a:extLst>
+              </a:tr>
+              <a:tr h="370840">
+                <a:tc>
+                  <a:txBody>
+                    <a:bodyPr/>
+                    <a:lstStyle/>
+                    <a:p>
+                      <a:pPr marL="0" marR="0" lvl="0" indent="0" algn="l" defTabSz="914400" rtl="0" eaLnBrk="1" fontAlgn="auto" latinLnBrk="0" hangingPunct="1">
+                        <a:lnSpc>
+                          <a:spcPct val="100000"/>
+                        </a:lnSpc>
+                        <a:spcBef>
+                          <a:spcPts val="0"/>
+                        </a:spcBef>
+                        <a:spcAft>
+                          <a:spcPts val="0"/>
+                        </a:spcAft>
+                        <a:buClr>
+                          <a:srgbClr val="000000"/>
+                        </a:buClr>
+                        <a:buSzTx/>
+                        <a:buFont typeface="Arial"/>
+                        <a:buNone/>
+                        <a:tabLst/>
+                        <a:defRPr/>
+                      </a:pPr>
                       <a:r>
                         <a:rPr lang="fr-FR" dirty="0"/>
                         <a:t>076.1</a:t>
@@ -15859,6 +15377,25 @@
                     <a:bodyPr/>
                     <a:lstStyle/>
                     <a:p>
+                      <a:pPr marL="0" marR="0" lvl="0" indent="0" algn="l" defTabSz="914400" rtl="0" eaLnBrk="1" fontAlgn="auto" latinLnBrk="0" hangingPunct="1">
+                        <a:lnSpc>
+                          <a:spcPct val="100000"/>
+                        </a:lnSpc>
+                        <a:spcBef>
+                          <a:spcPts val="0"/>
+                        </a:spcBef>
+                        <a:spcAft>
+                          <a:spcPts val="0"/>
+                        </a:spcAft>
+                        <a:buClr>
+                          <a:srgbClr val="000000"/>
+                        </a:buClr>
+                        <a:buSzTx/>
+                        <a:buFont typeface="Arial"/>
+                        <a:buNone/>
+                        <a:tabLst/>
+                        <a:defRPr/>
+                      </a:pPr>
                       <a:r>
                         <a:rPr lang="fr-FR" dirty="0"/>
                         <a:t>10.27nA</a:t>
@@ -15873,8 +15410,8 @@
                     <a:lstStyle/>
                     <a:p>
                       <a:r>
-                        <a:rPr lang="fr-FR" dirty="0"/>
-                        <a:t>9.294nA</a:t>
+                        <a:rPr lang="en-US" dirty="0"/>
+                        <a:t>18.058nA</a:t>
                       </a:r>
                     </a:p>
                   </a:txBody>
@@ -15882,99 +15419,7 @@
                 </a:tc>
                 <a:extLst>
                   <a:ext uri="{0D108BD9-81ED-4DB2-BD59-A6C34878D82A}">
-                    <a16:rowId xmlns:a16="http://schemas.microsoft.com/office/drawing/2014/main" val="1597110577"/>
-                  </a:ext>
-                </a:extLst>
-              </a:tr>
-              <a:tr h="370840">
-                <a:tc>
-                  <a:txBody>
-                    <a:bodyPr/>
-                    <a:lstStyle/>
-                    <a:p>
-                      <a:r>
-                        <a:rPr lang="fr-FR" dirty="0"/>
-                        <a:t>076.2</a:t>
-                      </a:r>
-                    </a:p>
-                  </a:txBody>
-                  <a:tcPr/>
-                </a:tc>
-                <a:tc>
-                  <a:txBody>
-                    <a:bodyPr/>
-                    <a:lstStyle/>
-                    <a:p>
-                      <a:r>
-                        <a:rPr lang="fr-FR" dirty="0"/>
-                        <a:t>11.03nA</a:t>
-                      </a:r>
-                    </a:p>
-                  </a:txBody>
-                  <a:tcPr/>
-                </a:tc>
-                <a:tc>
-                  <a:txBody>
-                    <a:bodyPr/>
-                    <a:lstStyle/>
-                    <a:p>
-                      <a:r>
-                        <a:rPr lang="fr-FR" dirty="0"/>
-                        <a:t>15.167nA</a:t>
-                      </a:r>
-                    </a:p>
-                  </a:txBody>
-                  <a:tcPr/>
-                </a:tc>
-                <a:extLst>
-                  <a:ext uri="{0D108BD9-81ED-4DB2-BD59-A6C34878D82A}">
-                    <a16:rowId xmlns:a16="http://schemas.microsoft.com/office/drawing/2014/main" val="2248252678"/>
-                  </a:ext>
-                </a:extLst>
-              </a:tr>
-              <a:tr h="370840">
-                <a:tc>
-                  <a:txBody>
-                    <a:bodyPr/>
-                    <a:lstStyle/>
-                    <a:p>
-                      <a:r>
-                        <a:rPr lang="fr-FR" dirty="0"/>
-                        <a:t>054</a:t>
-                      </a:r>
-                    </a:p>
-                  </a:txBody>
-                  <a:tcPr/>
-                </a:tc>
-                <a:tc>
-                  <a:txBody>
-                    <a:bodyPr/>
-                    <a:lstStyle/>
-                    <a:p>
-                      <a:r>
-                        <a:rPr lang="fr-FR" dirty="0"/>
-                        <a:t>1.98nA</a:t>
-                      </a:r>
-                    </a:p>
-                  </a:txBody>
-                  <a:tcPr/>
-                </a:tc>
-                <a:tc>
-                  <a:txBody>
-                    <a:bodyPr/>
-                    <a:lstStyle/>
-                    <a:p>
-                      <a:r>
-                        <a:rPr lang="fr-FR" dirty="0"/>
-                        <a:t>2.417nA</a:t>
-                      </a:r>
-                    </a:p>
-                  </a:txBody>
-                  <a:tcPr/>
-                </a:tc>
-                <a:extLst>
-                  <a:ext uri="{0D108BD9-81ED-4DB2-BD59-A6C34878D82A}">
-                    <a16:rowId xmlns:a16="http://schemas.microsoft.com/office/drawing/2014/main" val="1244203079"/>
+                    <a16:rowId xmlns:a16="http://schemas.microsoft.com/office/drawing/2014/main" val="3562343342"/>
                   </a:ext>
                 </a:extLst>
               </a:tr>
@@ -15982,6 +15427,216 @@
           </a:graphicData>
         </a:graphic>
       </p:graphicFrame>
+    </p:spTree>
+  </p:cSld>
+  <p:clrMapOvr>
+    <a:masterClrMapping/>
+  </p:clrMapOvr>
+</p:sld>
+</file>
+
+<file path=ppt/slides/slide4.xml><?xml version="1.0" encoding="utf-8"?>
+<p:sld xmlns:a="http://schemas.openxmlformats.org/drawingml/2006/main" xmlns:r="http://schemas.openxmlformats.org/officeDocument/2006/relationships" xmlns:p="http://schemas.openxmlformats.org/presentationml/2006/main">
+  <p:cSld>
+    <p:spTree>
+      <p:nvGrpSpPr>
+        <p:cNvPr id="1" name="Shape 102"/>
+        <p:cNvGrpSpPr/>
+        <p:nvPr/>
+      </p:nvGrpSpPr>
+      <p:grpSpPr>
+        <a:xfrm>
+          <a:off x="0" y="0"/>
+          <a:ext cx="0" cy="0"/>
+          <a:chOff x="0" y="0"/>
+          <a:chExt cx="0" cy="0"/>
+        </a:xfrm>
+      </p:grpSpPr>
+      <p:sp>
+        <p:nvSpPr>
+          <p:cNvPr id="103" name="Google Shape;103;p22"/>
+          <p:cNvSpPr txBox="1">
+            <a:spLocks noGrp="1"/>
+          </p:cNvSpPr>
+          <p:nvPr>
+            <p:ph type="ctrTitle"/>
+          </p:nvPr>
+        </p:nvSpPr>
+        <p:spPr>
+          <a:xfrm>
+            <a:off x="685800" y="-172293"/>
+            <a:ext cx="8735626" cy="1470000"/>
+          </a:xfrm>
+          <a:prstGeom prst="rect">
+            <a:avLst/>
+          </a:prstGeom>
+          <a:noFill/>
+          <a:ln>
+            <a:noFill/>
+          </a:ln>
+        </p:spPr>
+        <p:txBody>
+          <a:bodyPr spcFirstLastPara="1" wrap="square" lIns="91425" tIns="45700" rIns="91425" bIns="45700" anchor="ctr" anchorCtr="0">
+            <a:noAutofit/>
+          </a:bodyPr>
+          <a:lstStyle/>
+          <a:p>
+            <a:pPr marL="0" lvl="0" indent="0" algn="ctr" rtl="0">
+              <a:lnSpc>
+                <a:spcPct val="100000"/>
+              </a:lnSpc>
+              <a:spcBef>
+                <a:spcPts val="0"/>
+              </a:spcBef>
+              <a:spcAft>
+                <a:spcPts val="0"/>
+              </a:spcAft>
+              <a:buSzPts val="1400"/>
+              <a:buNone/>
+            </a:pPr>
+            <a:r>
+              <a:rPr lang="fr-FR" sz="2800" dirty="0">
+                <a:solidFill>
+                  <a:srgbClr val="FFFFFF"/>
+                </a:solidFill>
+              </a:rPr>
+              <a:t>Update – Impact of T° on </a:t>
+            </a:r>
+            <a:r>
+              <a:rPr lang="fr-FR" sz="2800" dirty="0" err="1">
+                <a:solidFill>
+                  <a:srgbClr val="FFFFFF"/>
+                </a:solidFill>
+              </a:rPr>
+              <a:t>sensor</a:t>
+            </a:r>
+            <a:r>
+              <a:rPr lang="fr-FR" sz="2800" dirty="0">
+                <a:solidFill>
+                  <a:srgbClr val="FFFFFF"/>
+                </a:solidFill>
+              </a:rPr>
+              <a:t> </a:t>
+            </a:r>
+            <a:r>
+              <a:rPr lang="fr-FR" sz="2800" dirty="0" err="1">
+                <a:solidFill>
+                  <a:srgbClr val="FFFFFF"/>
+                </a:solidFill>
+              </a:rPr>
+              <a:t>response</a:t>
+            </a:r>
+            <a:r>
+              <a:rPr lang="fr-FR" sz="2800" dirty="0">
+                <a:solidFill>
+                  <a:srgbClr val="FFFFFF"/>
+                </a:solidFill>
+              </a:rPr>
+              <a:t> </a:t>
+            </a:r>
+            <a:endParaRPr sz="2800" dirty="0">
+              <a:solidFill>
+                <a:srgbClr val="FFFFFF"/>
+              </a:solidFill>
+            </a:endParaRPr>
+          </a:p>
+        </p:txBody>
+      </p:sp>
+      <p:sp>
+        <p:nvSpPr>
+          <p:cNvPr id="2" name="ZoneTexte 1">
+            <a:extLst>
+              <a:ext uri="{FF2B5EF4-FFF2-40B4-BE49-F238E27FC236}">
+                <a16:creationId xmlns:a16="http://schemas.microsoft.com/office/drawing/2014/main" id="{FDDE8A02-7C33-463C-8282-90388FFA8DCD}"/>
+              </a:ext>
+            </a:extLst>
+          </p:cNvPr>
+          <p:cNvSpPr txBox="1"/>
+          <p:nvPr/>
+        </p:nvSpPr>
+        <p:spPr>
+          <a:xfrm>
+            <a:off x="685800" y="1407560"/>
+            <a:ext cx="7944492" cy="4247317"/>
+          </a:xfrm>
+          <a:prstGeom prst="rect">
+            <a:avLst/>
+          </a:prstGeom>
+          <a:noFill/>
+        </p:spPr>
+        <p:txBody>
+          <a:bodyPr wrap="square" rtlCol="0">
+            <a:spAutoFit/>
+          </a:bodyPr>
+          <a:lstStyle/>
+          <a:p>
+            <a:r>
+              <a:rPr lang="en-US" sz="1800" dirty="0"/>
+              <a:t>This test is attempt to see if the response of the sensor depends on the temperature. The temperature varies from 21.2°C to 59.4°C (humidity varies from 25.3 @21.2°C to 5.5°C @59.4°C)</a:t>
+            </a:r>
+          </a:p>
+          <a:p>
+            <a:r>
+              <a:rPr lang="en-US" sz="1800" dirty="0"/>
+              <a:t>For each temperature, between 15 to 20 sensor measuring points are taken. The figure shows the sensor response throughout the entire temperature sweep. The figure shows that the response does not vary with temperature as the density is uniform across the temperature range</a:t>
+            </a:r>
+          </a:p>
+          <a:p>
+            <a:endParaRPr lang="fr-FR" sz="1800" dirty="0"/>
+          </a:p>
+          <a:p>
+            <a:endParaRPr lang="fr-FR" sz="1800" dirty="0"/>
+          </a:p>
+          <a:p>
+            <a:endParaRPr lang="fr-FR" sz="1800" dirty="0"/>
+          </a:p>
+          <a:p>
+            <a:endParaRPr lang="fr-FR" sz="1800" dirty="0"/>
+          </a:p>
+          <a:p>
+            <a:endParaRPr lang="fr-FR" sz="1800" dirty="0"/>
+          </a:p>
+          <a:p>
+            <a:endParaRPr lang="fr-FR" sz="1800" dirty="0"/>
+          </a:p>
+          <a:p>
+            <a:endParaRPr lang="fr-FR" sz="1800" dirty="0"/>
+          </a:p>
+          <a:p>
+            <a:endParaRPr lang="fr-FR" sz="1800" dirty="0"/>
+          </a:p>
+        </p:txBody>
+      </p:sp>
+      <p:pic>
+        <p:nvPicPr>
+          <p:cNvPr id="3" name="Image 2">
+            <a:extLst>
+              <a:ext uri="{FF2B5EF4-FFF2-40B4-BE49-F238E27FC236}">
+                <a16:creationId xmlns:a16="http://schemas.microsoft.com/office/drawing/2014/main" id="{D6C70A1A-1DC0-4494-9AF3-F3F18AC002FB}"/>
+              </a:ext>
+            </a:extLst>
+          </p:cNvPr>
+          <p:cNvPicPr>
+            <a:picLocks noChangeAspect="1"/>
+          </p:cNvPicPr>
+          <p:nvPr/>
+        </p:nvPicPr>
+        <p:blipFill>
+          <a:blip r:embed="rId3"/>
+          <a:stretch>
+            <a:fillRect/>
+          </a:stretch>
+        </p:blipFill>
+        <p:spPr>
+          <a:xfrm>
+            <a:off x="1771650" y="3429000"/>
+            <a:ext cx="5600700" cy="3095625"/>
+          </a:xfrm>
+          <a:prstGeom prst="rect">
+            <a:avLst/>
+          </a:prstGeom>
+        </p:spPr>
+      </p:pic>
     </p:spTree>
   </p:cSld>
   <p:clrMapOvr>
@@ -16104,7 +15759,7 @@
         <p:spPr>
           <a:xfrm>
             <a:off x="685799" y="1880171"/>
-            <a:ext cx="6958173" cy="2031325"/>
+            <a:ext cx="6958173" cy="2308324"/>
           </a:xfrm>
           <a:prstGeom prst="rect">
             <a:avLst/>
@@ -16123,23 +15778,31 @@
             </a:pPr>
             <a:r>
               <a:rPr lang="fr-FR" sz="1800" dirty="0"/>
-              <a:t>I have sent an e-mail do Dana (at the </a:t>
+              <a:t>I </a:t>
             </a:r>
             <a:r>
               <a:rPr lang="fr-FR" sz="1800" dirty="0" err="1"/>
-              <a:t>general</a:t>
+              <a:t>am</a:t>
             </a:r>
             <a:r>
               <a:rPr lang="fr-FR" sz="1800" dirty="0"/>
-              <a:t> store), the </a:t>
+              <a:t> </a:t>
             </a:r>
             <a:r>
               <a:rPr lang="fr-FR" sz="1800" dirty="0" err="1"/>
-              <a:t>told</a:t>
+              <a:t>waiting</a:t>
             </a:r>
             <a:r>
               <a:rPr lang="fr-FR" sz="1800" dirty="0"/>
-              <a:t> me the </a:t>
+              <a:t> for the </a:t>
+            </a:r>
+            <a:r>
+              <a:rPr lang="fr-FR" sz="1800" dirty="0" err="1"/>
+              <a:t>regulator</a:t>
+            </a:r>
+            <a:r>
+              <a:rPr lang="fr-FR" sz="1800" dirty="0"/>
+              <a:t> for the </a:t>
             </a:r>
             <a:r>
               <a:rPr lang="fr-FR" sz="1800" dirty="0" err="1"/>
@@ -16151,7 +15814,15 @@
             </a:r>
             <a:r>
               <a:rPr lang="fr-FR" sz="1800" dirty="0" err="1"/>
-              <a:t>is</a:t>
+              <a:t>cylinder</a:t>
+            </a:r>
+            <a:r>
+              <a:rPr lang="fr-FR" sz="1800" dirty="0"/>
+              <a:t> to </a:t>
+            </a:r>
+            <a:r>
+              <a:rPr lang="fr-FR" sz="1800" dirty="0" err="1"/>
+              <a:t>begin</a:t>
             </a:r>
             <a:r>
               <a:rPr lang="fr-FR" sz="1800" dirty="0"/>
@@ -16159,7 +15830,15 @@
             </a:r>
             <a:r>
               <a:rPr lang="fr-FR" sz="1800" dirty="0" err="1"/>
-              <a:t>arriving</a:t>
+              <a:t>testing</a:t>
+            </a:r>
+            <a:r>
+              <a:rPr lang="fr-FR" sz="1800" dirty="0"/>
+              <a:t> the </a:t>
+            </a:r>
+            <a:r>
+              <a:rPr lang="fr-FR" sz="1800" dirty="0" err="1"/>
+              <a:t>ammonia</a:t>
             </a:r>
             <a:r>
               <a:rPr lang="fr-FR" sz="1800" dirty="0"/>
@@ -16167,77 +15846,7 @@
             </a:r>
             <a:r>
               <a:rPr lang="fr-FR" sz="1800" dirty="0" err="1"/>
-              <a:t>today</a:t>
-            </a:r>
-            <a:r>
-              <a:rPr lang="fr-FR" sz="1800" dirty="0"/>
-              <a:t> at the U (07/23/2020) and </a:t>
-            </a:r>
-            <a:r>
-              <a:rPr lang="fr-FR" sz="1800" dirty="0" err="1"/>
-              <a:t>it</a:t>
-            </a:r>
-            <a:r>
-              <a:rPr lang="fr-FR" sz="1800" dirty="0"/>
-              <a:t> </a:t>
-            </a:r>
-            <a:r>
-              <a:rPr lang="fr-FR" sz="1800" dirty="0" err="1"/>
-              <a:t>should</a:t>
-            </a:r>
-            <a:r>
-              <a:rPr lang="fr-FR" sz="1800" dirty="0"/>
-              <a:t> </a:t>
-            </a:r>
-            <a:r>
-              <a:rPr lang="fr-FR" sz="1800" dirty="0" err="1"/>
-              <a:t>be</a:t>
-            </a:r>
-            <a:r>
-              <a:rPr lang="fr-FR" sz="1800" dirty="0"/>
-              <a:t> in the </a:t>
-            </a:r>
-            <a:r>
-              <a:rPr lang="fr-FR" sz="1800" dirty="0" err="1"/>
-              <a:t>lab</a:t>
-            </a:r>
-            <a:r>
-              <a:rPr lang="fr-FR" sz="1800" dirty="0"/>
-              <a:t> on Monday (07/27/2020)</a:t>
-            </a:r>
-          </a:p>
-          <a:p>
-            <a:r>
-              <a:rPr lang="fr-FR" sz="1800" dirty="0"/>
-              <a:t>     I </a:t>
-            </a:r>
-            <a:r>
-              <a:rPr lang="fr-FR" sz="1800" dirty="0" err="1"/>
-              <a:t>should</a:t>
-            </a:r>
-            <a:r>
-              <a:rPr lang="fr-FR" sz="1800" dirty="0"/>
-              <a:t> </a:t>
-            </a:r>
-            <a:r>
-              <a:rPr lang="fr-FR" sz="1800" dirty="0" err="1"/>
-              <a:t>be</a:t>
-            </a:r>
-            <a:r>
-              <a:rPr lang="fr-FR" sz="1800" dirty="0"/>
-              <a:t> able to start </a:t>
-            </a:r>
-            <a:r>
-              <a:rPr lang="fr-FR" sz="1800" dirty="0" err="1"/>
-              <a:t>testing</a:t>
-            </a:r>
-            <a:r>
-              <a:rPr lang="fr-FR" sz="1800" dirty="0"/>
-              <a:t> right </a:t>
-            </a:r>
-            <a:r>
-              <a:rPr lang="fr-FR" sz="1800" dirty="0" err="1"/>
-              <a:t>away</a:t>
+              <a:t>sensor</a:t>
             </a:r>
             <a:endParaRPr lang="fr-FR" sz="1800" dirty="0"/>
           </a:p>
@@ -16324,6 +15933,120 @@
             <a:r>
               <a:rPr lang="fr-FR" sz="1800" dirty="0" err="1"/>
               <a:t>side</a:t>
+            </a:r>
+            <a:r>
+              <a:rPr lang="fr-FR" sz="1800" dirty="0"/>
+              <a:t> to test the </a:t>
+            </a:r>
+            <a:r>
+              <a:rPr lang="fr-FR" sz="1800" dirty="0" err="1"/>
+              <a:t>acetic</a:t>
+            </a:r>
+            <a:r>
+              <a:rPr lang="fr-FR" sz="1800" dirty="0"/>
+              <a:t> </a:t>
+            </a:r>
+            <a:r>
+              <a:rPr lang="fr-FR" sz="1800" dirty="0" err="1"/>
+              <a:t>acid</a:t>
+            </a:r>
+            <a:r>
+              <a:rPr lang="fr-FR" sz="1800" dirty="0"/>
+              <a:t> </a:t>
+            </a:r>
+            <a:r>
+              <a:rPr lang="fr-FR" sz="1800" dirty="0" err="1"/>
+              <a:t>sensor</a:t>
+            </a:r>
+            <a:endParaRPr lang="fr-FR" sz="1800" dirty="0"/>
+          </a:p>
+          <a:p>
+            <a:pPr marL="285750" indent="-285750">
+              <a:buFont typeface="Arial" panose="020B0604020202020204" pitchFamily="34" charset="0"/>
+              <a:buChar char="•"/>
+            </a:pPr>
+            <a:endParaRPr lang="fr-FR" sz="1800" dirty="0"/>
+          </a:p>
+          <a:p>
+            <a:pPr marL="285750" indent="-285750">
+              <a:buFont typeface="Arial" panose="020B0604020202020204" pitchFamily="34" charset="0"/>
+              <a:buChar char="•"/>
+            </a:pPr>
+            <a:r>
+              <a:rPr lang="fr-FR" sz="1800" dirty="0" err="1"/>
+              <a:t>Vaporsens</a:t>
+            </a:r>
+            <a:r>
+              <a:rPr lang="fr-FR" sz="1800" dirty="0"/>
+              <a:t> </a:t>
+            </a:r>
+            <a:r>
+              <a:rPr lang="fr-FR" sz="1800" dirty="0" err="1"/>
+              <a:t>apparently</a:t>
+            </a:r>
+            <a:r>
+              <a:rPr lang="fr-FR" sz="1800" dirty="0"/>
+              <a:t> </a:t>
+            </a:r>
+            <a:r>
+              <a:rPr lang="fr-FR" sz="1800" dirty="0" err="1"/>
+              <a:t>does</a:t>
+            </a:r>
+            <a:r>
+              <a:rPr lang="fr-FR" sz="1800" dirty="0"/>
+              <a:t> not have </a:t>
+            </a:r>
+            <a:r>
+              <a:rPr lang="fr-FR" sz="1800" dirty="0" err="1"/>
+              <a:t>any</a:t>
+            </a:r>
+            <a:r>
+              <a:rPr lang="fr-FR" sz="1800" dirty="0"/>
+              <a:t> data </a:t>
+            </a:r>
+            <a:r>
+              <a:rPr lang="fr-FR" sz="1800" dirty="0" err="1"/>
+              <a:t>showing</a:t>
+            </a:r>
+            <a:r>
+              <a:rPr lang="fr-FR" sz="1800" dirty="0"/>
+              <a:t> the </a:t>
+            </a:r>
+            <a:r>
+              <a:rPr lang="fr-FR" sz="1800" dirty="0" err="1"/>
+              <a:t>effect</a:t>
+            </a:r>
+            <a:r>
+              <a:rPr lang="fr-FR" sz="1800" dirty="0"/>
+              <a:t> of </a:t>
+            </a:r>
+            <a:r>
+              <a:rPr lang="fr-FR" sz="1800" dirty="0" err="1"/>
+              <a:t>humidity</a:t>
+            </a:r>
+            <a:r>
+              <a:rPr lang="fr-FR" sz="1800" dirty="0"/>
+              <a:t> or </a:t>
+            </a:r>
+            <a:r>
+              <a:rPr lang="fr-FR" sz="1800" dirty="0" err="1"/>
+              <a:t>temperature</a:t>
+            </a:r>
+            <a:r>
+              <a:rPr lang="fr-FR" sz="1800" dirty="0"/>
+              <a:t> on the </a:t>
+            </a:r>
+            <a:r>
+              <a:rPr lang="fr-FR" sz="1800" dirty="0" err="1"/>
+              <a:t>sensor</a:t>
+            </a:r>
+            <a:r>
+              <a:rPr lang="fr-FR" sz="1800" dirty="0"/>
+              <a:t> </a:t>
+            </a:r>
+            <a:r>
+              <a:rPr lang="fr-FR" sz="1800" dirty="0" err="1"/>
+              <a:t>response</a:t>
             </a:r>
             <a:endParaRPr lang="fr-FR" sz="1800" dirty="0"/>
           </a:p>
